--- a/工作的总结/相关资料/Git.pptx
+++ b/工作的总结/相关资料/Git.pptx
@@ -134,7 +134,7 @@
   </p:defaultTextStyle>
   <p:extLst>
     <p:ext uri="{EFAFB233-063F-42B5-8137-9DF3F51BA10A}">
-      <p15:sldGuideLst xmlns:p15="http://schemas.microsoft.com/office/powerpoint/2012/main">
+      <p15:sldGuideLst xmlns:p15="http://schemas.microsoft.com/office/powerpoint/2012/main" xmlns="">
         <p15:guide id="1" orient="horz" pos="2400" userDrawn="1">
           <p15:clr>
             <a:srgbClr val="A4A3A4"/>
@@ -161,7 +161,7 @@
   <p:cmAuthor id="1" name="Windows 用户" initials="W用" lastIdx="1" clrIdx="0">
     <p:extLst>
       <p:ext uri="{19B8F6BF-5375-455C-9EA6-DF929625EA0E}">
-        <p15:presenceInfo xmlns:p15="http://schemas.microsoft.com/office/powerpoint/2012/main" userId="Windows 用户" providerId="None"/>
+        <p15:presenceInfo xmlns:p15="http://schemas.microsoft.com/office/powerpoint/2012/main" xmlns="" userId="Windows 用户" providerId="None"/>
       </p:ext>
     </p:extLst>
   </p:cmAuthor>
@@ -187,6 +187,7 @@
       <c:rotX val="15"/>
       <c:rotY val="20"/>
       <c:rAngAx val="0"/>
+      <c:perspective val="30"/>
     </c:view3D>
     <c:floor>
       <c:thickness val="0"/>
@@ -236,12 +237,12 @@
         <c:gapWidth val="0"/>
         <c:gapDepth val="0"/>
         <c:shape val="pyramid"/>
-        <c:axId val="-1079029008"/>
-        <c:axId val="-1079024656"/>
+        <c:axId val="144837632"/>
+        <c:axId val="144835712"/>
         <c:axId val="0"/>
       </c:bar3DChart>
       <c:catAx>
-        <c:axId val="-1079029008"/>
+        <c:axId val="144837632"/>
         <c:scaling>
           <c:orientation val="minMax"/>
         </c:scaling>
@@ -258,7 +259,7 @@
         <c:majorTickMark val="out"/>
         <c:minorTickMark val="none"/>
         <c:tickLblPos val="nextTo"/>
-        <c:crossAx val="-1079024656"/>
+        <c:crossAx val="144835712"/>
         <c:crosses val="autoZero"/>
         <c:auto val="1"/>
         <c:lblAlgn val="ctr"/>
@@ -266,7 +267,7 @@
         <c:noMultiLvlLbl val="1"/>
       </c:catAx>
       <c:valAx>
-        <c:axId val="-1079024656"/>
+        <c:axId val="144835712"/>
         <c:scaling>
           <c:orientation val="minMax"/>
         </c:scaling>
@@ -285,7 +286,7 @@
             </a:solidFill>
           </a:ln>
         </c:spPr>
-        <c:crossAx val="-1079029008"/>
+        <c:crossAx val="144837632"/>
         <c:crosses val="autoZero"/>
         <c:crossBetween val="between"/>
       </c:valAx>
@@ -885,7 +886,7 @@
           <a:p>
             <a:fld id="{B32EEBB1-4E34-4429-B2B1-F838ABA581B4}" type="datetimeFigureOut">
               <a:rPr lang="zh-CN" altLang="en-US" smtClean="0"/>
-              <a:t>2017/12/14</a:t>
+              <a:t>2017/12/15</a:t>
             </a:fld>
             <a:endParaRPr lang="zh-CN" altLang="en-US"/>
           </a:p>
@@ -8158,12 +8159,6 @@
               </a:rPr>
               <a:t>流程</a:t>
             </a:r>
-            <a:endParaRPr lang="zh-CN" altLang="en-US" sz="2000" b="1" dirty="0">
-              <a:solidFill>
-                <a:srgbClr val="51597B"/>
-              </a:solidFill>
-              <a:cs typeface="+mn-ea"/>
-            </a:endParaRPr>
           </a:p>
         </p:txBody>
       </p:sp>
@@ -10210,11 +10205,6 @@
                 </a:rPr>
                 <a:t>常用指令</a:t>
               </a:r>
-              <a:endParaRPr kumimoji="1" lang="zh-CN" altLang="en-US" sz="3200" b="1" dirty="0">
-                <a:solidFill>
-                  <a:srgbClr val="51597B"/>
-                </a:solidFill>
-              </a:endParaRPr>
             </a:p>
           </p:txBody>
         </p:sp>
@@ -10870,12 +10860,6 @@
               </a:rPr>
               <a:t>修改了哪些内容</a:t>
             </a:r>
-            <a:endParaRPr lang="zh-CN" altLang="en-US" sz="1333" dirty="0">
-              <a:solidFill>
-                <a:srgbClr val="51597B"/>
-              </a:solidFill>
-              <a:ea typeface="微软雅黑"/>
-            </a:endParaRPr>
           </a:p>
         </p:txBody>
       </p:sp>
@@ -11220,12 +11204,6 @@
               </a:rPr>
               <a:t>查看历史记录</a:t>
             </a:r>
-            <a:endParaRPr lang="zh-CN" altLang="en-US" sz="1333" dirty="0">
-              <a:solidFill>
-                <a:srgbClr val="51597B"/>
-              </a:solidFill>
-              <a:ea typeface="微软雅黑"/>
-            </a:endParaRPr>
           </a:p>
         </p:txBody>
       </p:sp>
@@ -11271,11 +11249,6 @@
               </a:rPr>
               <a:t> log </a:t>
             </a:r>
-            <a:endParaRPr lang="en-US" altLang="zh-CN" sz="1600" b="1" dirty="0">
-              <a:solidFill>
-                <a:srgbClr val="51597B"/>
-              </a:solidFill>
-            </a:endParaRPr>
           </a:p>
         </p:txBody>
       </p:sp>
@@ -11925,11 +11898,6 @@
                 </a:rPr>
                 <a:t>常用指令</a:t>
               </a:r>
-              <a:endParaRPr kumimoji="1" lang="zh-CN" altLang="en-US" sz="3200" b="1" dirty="0">
-                <a:solidFill>
-                  <a:srgbClr val="51597B"/>
-                </a:solidFill>
-              </a:endParaRPr>
             </a:p>
           </p:txBody>
         </p:sp>
@@ -13348,236 +13316,6 @@
       </p:grpSp>
       <p:sp>
         <p:nvSpPr>
-          <p:cNvPr id="20" name="文本框 8"/>
-          <p:cNvSpPr txBox="1"/>
-          <p:nvPr/>
-        </p:nvSpPr>
-        <p:spPr>
-          <a:xfrm>
-            <a:off x="8255500" y="3767325"/>
-            <a:ext cx="3180993" cy="1159035"/>
-          </a:xfrm>
-          <a:prstGeom prst="rect">
-            <a:avLst/>
-          </a:prstGeom>
-          <a:noFill/>
-        </p:spPr>
-        <p:txBody>
-          <a:bodyPr wrap="square" rtlCol="0">
-            <a:spAutoFit/>
-          </a:bodyPr>
-          <a:lstStyle>
-            <a:defPPr>
-              <a:defRPr lang="zh-CN"/>
-            </a:defPPr>
-            <a:lvl1pPr marL="0" algn="l" defTabSz="914400" rtl="0" eaLnBrk="1" latinLnBrk="0" hangingPunct="1">
-              <a:defRPr sz="1800" kern="1200">
-                <a:solidFill>
-                  <a:schemeClr val="tx1"/>
-                </a:solidFill>
-                <a:latin typeface="+mn-lt"/>
-                <a:ea typeface="+mn-ea"/>
-                <a:cs typeface="+mn-cs"/>
-              </a:defRPr>
-            </a:lvl1pPr>
-            <a:lvl2pPr marL="457200" algn="l" defTabSz="914400" rtl="0" eaLnBrk="1" latinLnBrk="0" hangingPunct="1">
-              <a:defRPr sz="1800" kern="1200">
-                <a:solidFill>
-                  <a:schemeClr val="tx1"/>
-                </a:solidFill>
-                <a:latin typeface="+mn-lt"/>
-                <a:ea typeface="+mn-ea"/>
-                <a:cs typeface="+mn-cs"/>
-              </a:defRPr>
-            </a:lvl2pPr>
-            <a:lvl3pPr marL="914400" algn="l" defTabSz="914400" rtl="0" eaLnBrk="1" latinLnBrk="0" hangingPunct="1">
-              <a:defRPr sz="1800" kern="1200">
-                <a:solidFill>
-                  <a:schemeClr val="tx1"/>
-                </a:solidFill>
-                <a:latin typeface="+mn-lt"/>
-                <a:ea typeface="+mn-ea"/>
-                <a:cs typeface="+mn-cs"/>
-              </a:defRPr>
-            </a:lvl3pPr>
-            <a:lvl4pPr marL="1371600" algn="l" defTabSz="914400" rtl="0" eaLnBrk="1" latinLnBrk="0" hangingPunct="1">
-              <a:defRPr sz="1800" kern="1200">
-                <a:solidFill>
-                  <a:schemeClr val="tx1"/>
-                </a:solidFill>
-                <a:latin typeface="+mn-lt"/>
-                <a:ea typeface="+mn-ea"/>
-                <a:cs typeface="+mn-cs"/>
-              </a:defRPr>
-            </a:lvl4pPr>
-            <a:lvl5pPr marL="1828800" algn="l" defTabSz="914400" rtl="0" eaLnBrk="1" latinLnBrk="0" hangingPunct="1">
-              <a:defRPr sz="1800" kern="1200">
-                <a:solidFill>
-                  <a:schemeClr val="tx1"/>
-                </a:solidFill>
-                <a:latin typeface="+mn-lt"/>
-                <a:ea typeface="+mn-ea"/>
-                <a:cs typeface="+mn-cs"/>
-              </a:defRPr>
-            </a:lvl5pPr>
-            <a:lvl6pPr marL="2286000" algn="l" defTabSz="914400" rtl="0" eaLnBrk="1" latinLnBrk="0" hangingPunct="1">
-              <a:defRPr sz="1800" kern="1200">
-                <a:solidFill>
-                  <a:schemeClr val="tx1"/>
-                </a:solidFill>
-                <a:latin typeface="+mn-lt"/>
-                <a:ea typeface="+mn-ea"/>
-                <a:cs typeface="+mn-cs"/>
-              </a:defRPr>
-            </a:lvl6pPr>
-            <a:lvl7pPr marL="2743200" algn="l" defTabSz="914400" rtl="0" eaLnBrk="1" latinLnBrk="0" hangingPunct="1">
-              <a:defRPr sz="1800" kern="1200">
-                <a:solidFill>
-                  <a:schemeClr val="tx1"/>
-                </a:solidFill>
-                <a:latin typeface="+mn-lt"/>
-                <a:ea typeface="+mn-ea"/>
-                <a:cs typeface="+mn-cs"/>
-              </a:defRPr>
-            </a:lvl7pPr>
-            <a:lvl8pPr marL="3200400" algn="l" defTabSz="914400" rtl="0" eaLnBrk="1" latinLnBrk="0" hangingPunct="1">
-              <a:defRPr sz="1800" kern="1200">
-                <a:solidFill>
-                  <a:schemeClr val="tx1"/>
-                </a:solidFill>
-                <a:latin typeface="+mn-lt"/>
-                <a:ea typeface="+mn-ea"/>
-                <a:cs typeface="+mn-cs"/>
-              </a:defRPr>
-            </a:lvl8pPr>
-            <a:lvl9pPr marL="3657600" algn="l" defTabSz="914400" rtl="0" eaLnBrk="1" latinLnBrk="0" hangingPunct="1">
-              <a:defRPr sz="1800" kern="1200">
-                <a:solidFill>
-                  <a:schemeClr val="tx1"/>
-                </a:solidFill>
-                <a:latin typeface="+mn-lt"/>
-                <a:ea typeface="+mn-ea"/>
-                <a:cs typeface="+mn-cs"/>
-              </a:defRPr>
-            </a:lvl9pPr>
-          </a:lstStyle>
-          <a:p>
-            <a:pPr>
-              <a:lnSpc>
-                <a:spcPct val="130000"/>
-              </a:lnSpc>
-            </a:pPr>
-            <a:r>
-              <a:rPr lang="zh-CN" altLang="en-US" sz="1333" dirty="0">
-                <a:solidFill>
-                  <a:schemeClr val="tx2">
-                    <a:lumMod val="50000"/>
-                  </a:schemeClr>
-                </a:solidFill>
-                <a:latin typeface="Century Gothic"/>
-                <a:ea typeface="微软雅黑"/>
-              </a:rPr>
-              <a:t>标题数字等都可以通过点击和重新输入进行更改，顶部“开始”面板中可以对字体、字号、颜色、行距等进行修改。建议正文</a:t>
-            </a:r>
-            <a:r>
-              <a:rPr lang="en-US" altLang="zh-CN" sz="1333" dirty="0">
-                <a:solidFill>
-                  <a:schemeClr val="tx2">
-                    <a:lumMod val="50000"/>
-                  </a:schemeClr>
-                </a:solidFill>
-                <a:latin typeface="Century Gothic"/>
-                <a:ea typeface="微软雅黑"/>
-              </a:rPr>
-              <a:t>10</a:t>
-            </a:r>
-            <a:r>
-              <a:rPr lang="zh-CN" altLang="en-US" sz="1333" dirty="0">
-                <a:solidFill>
-                  <a:schemeClr val="tx2">
-                    <a:lumMod val="50000"/>
-                  </a:schemeClr>
-                </a:solidFill>
-                <a:latin typeface="Century Gothic"/>
-                <a:ea typeface="微软雅黑"/>
-              </a:rPr>
-              <a:t>号字，</a:t>
-            </a:r>
-            <a:r>
-              <a:rPr lang="en-US" altLang="zh-CN" sz="1333" dirty="0">
-                <a:solidFill>
-                  <a:schemeClr val="tx2">
-                    <a:lumMod val="50000"/>
-                  </a:schemeClr>
-                </a:solidFill>
-                <a:latin typeface="Century Gothic"/>
-                <a:ea typeface="微软雅黑"/>
-              </a:rPr>
-              <a:t>1.3</a:t>
-            </a:r>
-            <a:r>
-              <a:rPr lang="zh-CN" altLang="en-US" sz="1333" dirty="0">
-                <a:solidFill>
-                  <a:schemeClr val="tx2">
-                    <a:lumMod val="50000"/>
-                  </a:schemeClr>
-                </a:solidFill>
-                <a:latin typeface="Century Gothic"/>
-                <a:ea typeface="微软雅黑"/>
-              </a:rPr>
-              <a:t>倍字间距。</a:t>
-            </a:r>
-          </a:p>
-        </p:txBody>
-      </p:sp>
-      <p:sp>
-        <p:nvSpPr>
-          <p:cNvPr id="21" name="矩形 20"/>
-          <p:cNvSpPr/>
-          <p:nvPr/>
-        </p:nvSpPr>
-        <p:spPr>
-          <a:xfrm>
-            <a:off x="8255501" y="3403514"/>
-            <a:ext cx="1826141" cy="412421"/>
-          </a:xfrm>
-          <a:prstGeom prst="rect">
-            <a:avLst/>
-          </a:prstGeom>
-        </p:spPr>
-        <p:txBody>
-          <a:bodyPr wrap="none">
-            <a:spAutoFit/>
-          </a:bodyPr>
-          <a:lstStyle/>
-          <a:p>
-            <a:pPr lvl="0">
-              <a:lnSpc>
-                <a:spcPct val="130000"/>
-              </a:lnSpc>
-            </a:pPr>
-            <a:r>
-              <a:rPr lang="zh-CN" altLang="en-US" sz="1600" b="1" dirty="0">
-                <a:solidFill>
-                  <a:schemeClr val="tx2">
-                    <a:lumMod val="50000"/>
-                  </a:schemeClr>
-                </a:solidFill>
-              </a:rPr>
-              <a:t>点击此处添加标题</a:t>
-            </a:r>
-            <a:endParaRPr lang="en-US" altLang="zh-CN" sz="1600" b="1" dirty="0">
-              <a:solidFill>
-                <a:schemeClr val="tx2">
-                  <a:lumMod val="50000"/>
-                </a:schemeClr>
-              </a:solidFill>
-            </a:endParaRPr>
-          </a:p>
-        </p:txBody>
-      </p:sp>
-      <p:sp>
-        <p:nvSpPr>
           <p:cNvPr id="22" name="矩形 21"/>
           <p:cNvSpPr/>
           <p:nvPr/>
@@ -13614,38 +13352,6 @@
           </a:p>
         </p:txBody>
       </p:sp>
-      <p:pic>
-        <p:nvPicPr>
-          <p:cNvPr id="16" name="图片 15">
-            <a:hlinkClick r:id="rId2"/>
-          </p:cNvPr>
-          <p:cNvPicPr>
-            <a:picLocks noChangeAspect="1"/>
-          </p:cNvPicPr>
-          <p:nvPr/>
-        </p:nvPicPr>
-        <p:blipFill>
-          <a:blip r:embed="rId3">
-            <a:extLst>
-              <a:ext uri="{28A0092B-C50C-407E-A947-70E740481C1C}">
-                <a14:useLocalDpi xmlns:a14="http://schemas.microsoft.com/office/drawing/2010/main" val="0"/>
-              </a:ext>
-            </a:extLst>
-          </a:blip>
-          <a:stretch>
-            <a:fillRect/>
-          </a:stretch>
-        </p:blipFill>
-        <p:spPr>
-          <a:xfrm>
-            <a:off x="342346" y="6263669"/>
-            <a:ext cx="1828800" cy="243840"/>
-          </a:xfrm>
-          <a:prstGeom prst="rect">
-            <a:avLst/>
-          </a:prstGeom>
-        </p:spPr>
-      </p:pic>
     </p:spTree>
     <p:extLst>
       <p:ext uri="{BB962C8B-B14F-4D97-AF65-F5344CB8AC3E}">
@@ -14522,11 +14228,6 @@
               </a:rPr>
               <a:t>提交注释</a:t>
             </a:r>
-            <a:endParaRPr lang="zh-CN" altLang="en-US" sz="1333" dirty="0">
-              <a:solidFill>
-                <a:srgbClr val="51597B"/>
-              </a:solidFill>
-            </a:endParaRPr>
           </a:p>
         </p:txBody>
       </p:sp>
@@ -15538,13 +15239,6 @@
                 </a:rPr>
                 <a:t>基础</a:t>
               </a:r>
-              <a:endParaRPr lang="zh-CN" altLang="en-US" sz="3200" dirty="0">
-                <a:solidFill>
-                  <a:srgbClr val="FFFFFF"/>
-                </a:solidFill>
-                <a:latin typeface="Century Gothic"/>
-                <a:ea typeface="微软雅黑"/>
-              </a:endParaRPr>
             </a:p>
           </p:txBody>
         </p:sp>
@@ -15916,13 +15610,6 @@
                 </a:rPr>
                 <a:t>演练</a:t>
               </a:r>
-              <a:endParaRPr lang="zh-CN" altLang="en-US" sz="3200" dirty="0">
-                <a:solidFill>
-                  <a:srgbClr val="FFFFFF"/>
-                </a:solidFill>
-                <a:latin typeface="Century Gothic"/>
-                <a:ea typeface="微软雅黑"/>
-              </a:endParaRPr>
             </a:p>
           </p:txBody>
         </p:sp>
@@ -16305,15 +15992,7 @@
                   <a:srgbClr val="51597B"/>
                 </a:solidFill>
               </a:rPr>
-              <a:t>添加数据后（</a:t>
-            </a:r>
-            <a:r>
-              <a:rPr lang="zh-CN" altLang="en-US" sz="1333" dirty="0" smtClean="0">
-                <a:solidFill>
-                  <a:srgbClr val="51597B"/>
-                </a:solidFill>
-              </a:rPr>
-              <a:t>内容为</a:t>
+              <a:t>添加数据后（内容为</a:t>
             </a:r>
             <a:r>
               <a:rPr lang="en-US" altLang="zh-CN" sz="1333" dirty="0">
@@ -17647,23 +17326,7 @@
                   <a:srgbClr val="51597B"/>
                 </a:solidFill>
               </a:rPr>
-              <a:t>来查看下历史记录</a:t>
-            </a:r>
-            <a:r>
-              <a:rPr lang="zh-CN" altLang="en-US" sz="1333" dirty="0">
-                <a:solidFill>
-                  <a:srgbClr val="51597B"/>
-                </a:solidFill>
-              </a:rPr>
-              <a:t>信息，发现</a:t>
-            </a:r>
-            <a:r>
-              <a:rPr lang="zh-CN" altLang="en-US" sz="1333" dirty="0">
-                <a:solidFill>
-                  <a:srgbClr val="51597B"/>
-                </a:solidFill>
-              </a:rPr>
-              <a:t>增加</a:t>
+              <a:t>来查看下历史记录信息，发现增加</a:t>
             </a:r>
             <a:r>
               <a:rPr lang="en-US" altLang="zh-CN" sz="1333" dirty="0">
@@ -18251,11 +17914,6 @@
               </a:rPr>
               <a:t>最新版本</a:t>
             </a:r>
-            <a:endParaRPr lang="zh-CN" altLang="en-US" sz="1333" dirty="0">
-              <a:solidFill>
-                <a:srgbClr val="51597B"/>
-              </a:solidFill>
-            </a:endParaRPr>
           </a:p>
         </p:txBody>
       </p:sp>
@@ -18537,7 +18195,7 @@
         <p:spPr>
           <a:xfrm>
             <a:off x="2930377" y="4261968"/>
-            <a:ext cx="6388287" cy="1077218"/>
+            <a:ext cx="5894562" cy="1077218"/>
           </a:xfrm>
           <a:prstGeom prst="rect">
             <a:avLst/>
@@ -18572,7 +18230,15 @@
                   <a:srgbClr val="51597B"/>
                 </a:solidFill>
               </a:rPr>
-              <a:t>WATCHING</a:t>
+              <a:t>LISTEN</a:t>
+            </a:r>
+            <a:r>
+              <a:rPr kumimoji="1" lang="en-US" altLang="zh-CN" sz="6400" b="1" dirty="0" smtClean="0">
+                <a:solidFill>
+                  <a:srgbClr val="51597B"/>
+                </a:solidFill>
+              </a:rPr>
+              <a:t>ING</a:t>
             </a:r>
             <a:endParaRPr kumimoji="1" lang="zh-CN" altLang="en-US" sz="6400" b="1" dirty="0">
               <a:solidFill>
@@ -23286,7 +22952,7 @@
     </a:clrScheme>
     <a:fontScheme name="Office">
       <a:majorFont>
-        <a:latin typeface="Calibri Light" panose="020F0302020204030204"/>
+        <a:latin typeface="Calibri Light"/>
         <a:ea typeface=""/>
         <a:cs typeface=""/>
         <a:font script="Jpan" typeface="ＭＳ Ｐゴシック"/>
@@ -23321,7 +22987,7 @@
         <a:font script="Geor" typeface="Sylfaen"/>
       </a:majorFont>
       <a:minorFont>
-        <a:latin typeface="Calibri" panose="020F0502020204030204"/>
+        <a:latin typeface="Calibri"/>
         <a:ea typeface=""/>
         <a:cs typeface=""/>
         <a:font script="Jpan" typeface="ＭＳ Ｐゴシック"/>
@@ -23498,7 +23164,7 @@
   <a:extraClrSchemeLst/>
   <a:extLst>
     <a:ext uri="{05A4C25C-085E-4340-85A3-A5531E510DB2}">
-      <thm15:themeFamily xmlns:thm15="http://schemas.microsoft.com/office/thememl/2012/main" name="Office Theme" id="{62F939B6-93AF-4DB8-9C6B-D6C7DFDC589F}" vid="{4A3C46E8-61CC-4603-A589-7422A47A8E4A}"/>
+      <thm15:themeFamily xmlns:thm15="http://schemas.microsoft.com/office/thememl/2012/main" xmlns="" name="Office Theme" id="{62F939B6-93AF-4DB8-9C6B-D6C7DFDC589F}" vid="{4A3C46E8-61CC-4603-A589-7422A47A8E4A}"/>
     </a:ext>
   </a:extLst>
 </a:theme>
@@ -24261,12 +23927,12 @@
 </file>
 
 <file path=customXml/item1.xml><?xml version="1.0" encoding="utf-8"?>
-<?mso-contentType ?>
-<FormTemplates xmlns="http://schemas.microsoft.com/sharepoint/v3/contenttype/forms">
-  <Display>DocumentLibraryForm</Display>
-  <Edit>DocumentLibraryForm</Edit>
-  <New>DocumentLibraryForm</New>
-</FormTemplates>
+<p:properties xmlns:p="http://schemas.microsoft.com/office/2006/metadata/properties" xmlns:xsi="http://www.w3.org/2001/XMLSchema-instance" xmlns:pc="http://schemas.microsoft.com/office/infopath/2007/PartnerControls">
+  <documentManagement>
+    <_Version xmlns="http://schemas.microsoft.com/sharepoint/v3/fields" xsi:nil="true"/>
+    <_Status xmlns="http://schemas.microsoft.com/sharepoint/v3/fields">Not Started</_Status>
+  </documentManagement>
+</p:properties>
 </file>
 
 <file path=customXml/item2.xml><?xml version="1.0" encoding="utf-8"?>
@@ -24414,18 +24080,20 @@
 </file>
 
 <file path=customXml/item3.xml><?xml version="1.0" encoding="utf-8"?>
-<p:properties xmlns:p="http://schemas.microsoft.com/office/2006/metadata/properties" xmlns:xsi="http://www.w3.org/2001/XMLSchema-instance" xmlns:pc="http://schemas.microsoft.com/office/infopath/2007/PartnerControls">
-  <documentManagement>
-    <_Version xmlns="http://schemas.microsoft.com/sharepoint/v3/fields" xsi:nil="true"/>
-    <_Status xmlns="http://schemas.microsoft.com/sharepoint/v3/fields">Not Started</_Status>
-  </documentManagement>
-</p:properties>
+<?mso-contentType ?>
+<FormTemplates xmlns="http://schemas.microsoft.com/sharepoint/v3/contenttype/forms">
+  <Display>DocumentLibraryForm</Display>
+  <Edit>DocumentLibraryForm</Edit>
+  <New>DocumentLibraryForm</New>
+</FormTemplates>
 </file>
 
 <file path=customXml/itemProps1.xml><?xml version="1.0" encoding="utf-8"?>
-<ds:datastoreItem xmlns:ds="http://schemas.openxmlformats.org/officeDocument/2006/customXml" ds:itemID="{87D2A1B0-FF3E-4009-940D-AED0EB70AA20}">
+<ds:datastoreItem xmlns:ds="http://schemas.openxmlformats.org/officeDocument/2006/customXml" ds:itemID="{7B6F2769-7194-4217-93D3-3AF3A4742282}">
   <ds:schemaRefs>
-    <ds:schemaRef ds:uri="http://schemas.microsoft.com/sharepoint/v3/contenttype/forms"/>
+    <ds:schemaRef ds:uri="http://schemas.microsoft.com/office/2006/metadata/properties"/>
+    <ds:schemaRef ds:uri="http://schemas.microsoft.com/office/infopath/2007/PartnerControls"/>
+    <ds:schemaRef ds:uri="http://schemas.microsoft.com/sharepoint/v3/fields"/>
   </ds:schemaRefs>
 </ds:datastoreItem>
 </file>
@@ -24449,11 +24117,9 @@
 </file>
 
 <file path=customXml/itemProps3.xml><?xml version="1.0" encoding="utf-8"?>
-<ds:datastoreItem xmlns:ds="http://schemas.openxmlformats.org/officeDocument/2006/customXml" ds:itemID="{7B6F2769-7194-4217-93D3-3AF3A4742282}">
+<ds:datastoreItem xmlns:ds="http://schemas.openxmlformats.org/officeDocument/2006/customXml" ds:itemID="{87D2A1B0-FF3E-4009-940D-AED0EB70AA20}">
   <ds:schemaRefs>
-    <ds:schemaRef ds:uri="http://schemas.microsoft.com/office/2006/metadata/properties"/>
-    <ds:schemaRef ds:uri="http://schemas.microsoft.com/office/infopath/2007/PartnerControls"/>
-    <ds:schemaRef ds:uri="http://schemas.microsoft.com/sharepoint/v3/fields"/>
+    <ds:schemaRef ds:uri="http://schemas.microsoft.com/sharepoint/v3/contenttype/forms"/>
   </ds:schemaRefs>
 </ds:datastoreItem>
 </file>